--- a/data-repair-center-presentation.pptx
+++ b/data-repair-center-presentation.pptx
@@ -18,6 +18,8 @@
     <p:sldId id="268" r:id="rId12"/>
     <p:sldId id="269" r:id="rId13"/>
     <p:sldId id="270" r:id="rId14"/>
+    <p:sldId id="271" r:id="rId15"/>
+    <p:sldId id="272" r:id="rId16"/>
   </p:sldIdLst>
   <p:sldSz cx="9144000" cy="6858000" type="screen4x3"/>
   <p:notesSz cx="6858000" cy="9144000"/>
@@ -4045,6 +4047,316 @@
 </p:sld>
 </file>
 
+<file path=ppt/slides/slide14.xml><?xml version="1.0" encoding="utf-8"?>
+<p:sld xmlns:a="http://schemas.openxmlformats.org/drawingml/2006/main" xmlns:r="http://schemas.openxmlformats.org/officeDocument/2006/relationships" xmlns:p="http://schemas.openxmlformats.org/presentationml/2006/main">
+  <p:cSld>
+    <p:spTree>
+      <p:nvGrpSpPr>
+        <p:cNvPr id="1" name=""/>
+        <p:cNvGrpSpPr/>
+        <p:nvPr/>
+      </p:nvGrpSpPr>
+      <p:grpSpPr>
+        <a:xfrm>
+          <a:off x="0" y="0"/>
+          <a:ext cx="0" cy="0"/>
+          <a:chOff x="0" y="0"/>
+          <a:chExt cx="0" cy="0"/>
+        </a:xfrm>
+      </p:grpSpPr>
+      <p:sp>
+        <p:nvSpPr>
+          <p:cNvPr id="2" name="Title 1"/>
+          <p:cNvSpPr>
+            <a:spLocks noGrp="1"/>
+          </p:cNvSpPr>
+          <p:nvPr>
+            <p:ph type="title"/>
+          </p:nvPr>
+        </p:nvSpPr>
+        <p:spPr/>
+        <p:txBody>
+          <a:bodyPr/>
+          <a:lstStyle/>
+          <a:p>
+            <a:r>
+              <a:rPr lang="en-US" dirty="0" smtClean="0"/>
+              <a:t>Distribution</a:t>
+            </a:r>
+            <a:endParaRPr lang="en-US" dirty="0"/>
+          </a:p>
+        </p:txBody>
+      </p:sp>
+      <p:sp>
+        <p:nvSpPr>
+          <p:cNvPr id="3" name="Content Placeholder 2"/>
+          <p:cNvSpPr>
+            <a:spLocks noGrp="1"/>
+          </p:cNvSpPr>
+          <p:nvPr>
+            <p:ph idx="1"/>
+          </p:nvPr>
+        </p:nvSpPr>
+        <p:spPr/>
+        <p:txBody>
+          <a:bodyPr/>
+          <a:lstStyle/>
+          <a:p>
+            <a:r>
+              <a:rPr lang="en-US" dirty="0" smtClean="0"/>
+              <a:t>DRC Backend library available on maven central.</a:t>
+            </a:r>
+          </a:p>
+          <a:p>
+            <a:r>
+              <a:rPr lang="en-US" dirty="0"/>
+              <a:t>Example mule application is downloadable from </a:t>
+            </a:r>
+            <a:r>
+              <a:rPr lang="en-US" dirty="0" err="1" smtClean="0"/>
+              <a:t>github</a:t>
+            </a:r>
+            <a:endParaRPr lang="en-US" dirty="0"/>
+          </a:p>
+          <a:p>
+            <a:r>
+              <a:rPr lang="en-US" dirty="0" err="1" smtClean="0"/>
+              <a:t>AngularJS</a:t>
+            </a:r>
+            <a:r>
+              <a:rPr lang="en-US" dirty="0" smtClean="0"/>
+              <a:t> 2.0 </a:t>
+            </a:r>
+            <a:r>
+              <a:rPr lang="en-US" smtClean="0"/>
+              <a:t>web UI components </a:t>
+            </a:r>
+            <a:r>
+              <a:rPr lang="en-US" dirty="0" smtClean="0"/>
+              <a:t>will be available through NPM in addition to maven.</a:t>
+            </a:r>
+            <a:endParaRPr lang="en-US" dirty="0"/>
+          </a:p>
+          <a:p>
+            <a:r>
+              <a:rPr lang="en-US" dirty="0" smtClean="0"/>
+              <a:t>We’re also planning to provide DRC as a connector through the </a:t>
+            </a:r>
+            <a:r>
+              <a:rPr lang="en-US" dirty="0" err="1" smtClean="0"/>
+              <a:t>mulesoft</a:t>
+            </a:r>
+            <a:r>
+              <a:rPr lang="en-US" dirty="0" smtClean="0"/>
+              <a:t> </a:t>
+            </a:r>
+            <a:r>
+              <a:rPr lang="en-US" dirty="0" err="1" smtClean="0"/>
+              <a:t>anypoint</a:t>
+            </a:r>
+            <a:r>
+              <a:rPr lang="en-US" dirty="0" smtClean="0"/>
+              <a:t> exchange</a:t>
+            </a:r>
+            <a:endParaRPr lang="en-US" dirty="0"/>
+          </a:p>
+        </p:txBody>
+      </p:sp>
+      <p:pic>
+        <p:nvPicPr>
+          <p:cNvPr id="5" name="Picture 4" descr="imgres.png"/>
+          <p:cNvPicPr>
+            <a:picLocks noChangeAspect="1"/>
+          </p:cNvPicPr>
+          <p:nvPr/>
+        </p:nvPicPr>
+        <p:blipFill>
+          <a:blip r:embed="rId2">
+            <a:extLst>
+              <a:ext uri="{28A0092B-C50C-407E-A947-70E740481C1C}">
+                <a14:useLocalDpi xmlns:a14="http://schemas.microsoft.com/office/drawing/2010/main" val="0"/>
+              </a:ext>
+            </a:extLst>
+          </a:blip>
+          <a:stretch>
+            <a:fillRect/>
+          </a:stretch>
+        </p:blipFill>
+        <p:spPr>
+          <a:xfrm>
+            <a:off x="6844504" y="496759"/>
+            <a:ext cx="1027241" cy="1027241"/>
+          </a:xfrm>
+          <a:prstGeom prst="rect">
+            <a:avLst/>
+          </a:prstGeom>
+        </p:spPr>
+      </p:pic>
+      <p:pic>
+        <p:nvPicPr>
+          <p:cNvPr id="6" name="Picture 5" descr="imgres.jpg"/>
+          <p:cNvPicPr>
+            <a:picLocks noChangeAspect="1"/>
+          </p:cNvPicPr>
+          <p:nvPr/>
+        </p:nvPicPr>
+        <p:blipFill>
+          <a:blip r:embed="rId3">
+            <a:extLst>
+              <a:ext uri="{28A0092B-C50C-407E-A947-70E740481C1C}">
+                <a14:useLocalDpi xmlns:a14="http://schemas.microsoft.com/office/drawing/2010/main" val="0"/>
+              </a:ext>
+            </a:extLst>
+          </a:blip>
+          <a:stretch>
+            <a:fillRect/>
+          </a:stretch>
+        </p:blipFill>
+        <p:spPr>
+          <a:xfrm>
+            <a:off x="3811945" y="614767"/>
+            <a:ext cx="2793958" cy="968572"/>
+          </a:xfrm>
+          <a:prstGeom prst="rect">
+            <a:avLst/>
+          </a:prstGeom>
+        </p:spPr>
+      </p:pic>
+      <p:pic>
+        <p:nvPicPr>
+          <p:cNvPr id="7" name="Picture 6" descr="imgres.png"/>
+          <p:cNvPicPr>
+            <a:picLocks noChangeAspect="1"/>
+          </p:cNvPicPr>
+          <p:nvPr/>
+        </p:nvPicPr>
+        <p:blipFill>
+          <a:blip r:embed="rId4">
+            <a:extLst>
+              <a:ext uri="{28A0092B-C50C-407E-A947-70E740481C1C}">
+                <a14:useLocalDpi xmlns:a14="http://schemas.microsoft.com/office/drawing/2010/main" val="0"/>
+              </a:ext>
+            </a:extLst>
+          </a:blip>
+          <a:stretch>
+            <a:fillRect/>
+          </a:stretch>
+        </p:blipFill>
+        <p:spPr>
+          <a:xfrm>
+            <a:off x="6316432" y="4809403"/>
+            <a:ext cx="578942" cy="578942"/>
+          </a:xfrm>
+          <a:prstGeom prst="rect">
+            <a:avLst/>
+          </a:prstGeom>
+        </p:spPr>
+      </p:pic>
+    </p:spTree>
+    <p:extLst>
+      <p:ext uri="{BB962C8B-B14F-4D97-AF65-F5344CB8AC3E}">
+        <p14:creationId xmlns:p14="http://schemas.microsoft.com/office/powerpoint/2010/main" val="1942573831"/>
+      </p:ext>
+    </p:extLst>
+  </p:cSld>
+  <p:clrMapOvr>
+    <a:masterClrMapping/>
+  </p:clrMapOvr>
+  <p:timing>
+    <p:tnLst>
+      <p:par>
+        <p:cTn xmlns:p14="http://schemas.microsoft.com/office/powerpoint/2010/main" id="1" dur="indefinite" restart="never" nodeType="tmRoot"/>
+      </p:par>
+    </p:tnLst>
+  </p:timing>
+</p:sld>
+</file>
+
+<file path=ppt/slides/slide15.xml><?xml version="1.0" encoding="utf-8"?>
+<p:sld xmlns:a="http://schemas.openxmlformats.org/drawingml/2006/main" xmlns:r="http://schemas.openxmlformats.org/officeDocument/2006/relationships" xmlns:p="http://schemas.openxmlformats.org/presentationml/2006/main">
+  <p:cSld>
+    <p:spTree>
+      <p:nvGrpSpPr>
+        <p:cNvPr id="1" name=""/>
+        <p:cNvGrpSpPr/>
+        <p:nvPr/>
+      </p:nvGrpSpPr>
+      <p:grpSpPr>
+        <a:xfrm>
+          <a:off x="0" y="0"/>
+          <a:ext cx="0" cy="0"/>
+          <a:chOff x="0" y="0"/>
+          <a:chExt cx="0" cy="0"/>
+        </a:xfrm>
+      </p:grpSpPr>
+      <p:sp>
+        <p:nvSpPr>
+          <p:cNvPr id="2" name="Title 1"/>
+          <p:cNvSpPr>
+            <a:spLocks noGrp="1"/>
+          </p:cNvSpPr>
+          <p:nvPr>
+            <p:ph type="title"/>
+          </p:nvPr>
+        </p:nvSpPr>
+        <p:spPr/>
+        <p:txBody>
+          <a:bodyPr/>
+          <a:lstStyle/>
+          <a:p>
+            <a:r>
+              <a:rPr lang="en-US" dirty="0" smtClean="0"/>
+              <a:t>Licensing</a:t>
+            </a:r>
+            <a:endParaRPr lang="en-US" dirty="0"/>
+          </a:p>
+        </p:txBody>
+      </p:sp>
+      <p:sp>
+        <p:nvSpPr>
+          <p:cNvPr id="3" name="Content Placeholder 2"/>
+          <p:cNvSpPr>
+            <a:spLocks noGrp="1"/>
+          </p:cNvSpPr>
+          <p:nvPr>
+            <p:ph idx="1"/>
+          </p:nvPr>
+        </p:nvSpPr>
+        <p:spPr/>
+        <p:txBody>
+          <a:bodyPr/>
+          <a:lstStyle/>
+          <a:p>
+            <a:r>
+              <a:rPr lang="en-US" dirty="0" smtClean="0"/>
+              <a:t>Open Source application licensed under the Apache 2.0 License</a:t>
+            </a:r>
+          </a:p>
+          <a:p>
+            <a:endParaRPr lang="en-US" dirty="0"/>
+          </a:p>
+        </p:txBody>
+      </p:sp>
+    </p:spTree>
+    <p:extLst>
+      <p:ext uri="{BB962C8B-B14F-4D97-AF65-F5344CB8AC3E}">
+        <p14:creationId xmlns:p14="http://schemas.microsoft.com/office/powerpoint/2010/main" val="686885313"/>
+      </p:ext>
+    </p:extLst>
+  </p:cSld>
+  <p:clrMapOvr>
+    <a:masterClrMapping/>
+  </p:clrMapOvr>
+  <p:timing>
+    <p:tnLst>
+      <p:par>
+        <p:cTn xmlns:p14="http://schemas.microsoft.com/office/powerpoint/2010/main" id="1" dur="indefinite" restart="never" nodeType="tmRoot"/>
+      </p:par>
+    </p:tnLst>
+  </p:timing>
+</p:sld>
+</file>
+
 <file path=ppt/slides/slide2.xml><?xml version="1.0" encoding="utf-8"?>
 <p:sld xmlns:a="http://schemas.openxmlformats.org/drawingml/2006/main" xmlns:r="http://schemas.openxmlformats.org/officeDocument/2006/relationships" xmlns:p="http://schemas.openxmlformats.org/presentationml/2006/main">
   <p:cSld>
@@ -4098,17 +4410,47 @@
         </p:nvSpPr>
         <p:spPr/>
         <p:txBody>
-          <a:bodyPr/>
+          <a:bodyPr>
+            <a:normAutofit/>
+          </a:bodyPr>
           <a:lstStyle/>
           <a:p>
             <a:pPr marL="0" indent="0">
               <a:buNone/>
             </a:pPr>
             <a:r>
-              <a:rPr lang="en-US" dirty="0" smtClean="0"/>
-              <a:t>Asynchronous communication is widely used to guarantee data integrity (through message queue and batch systems)</a:t>
-            </a:r>
-            <a:endParaRPr lang="en-US" dirty="0"/>
+              <a:rPr lang="en-US" sz="1800" dirty="0"/>
+              <a:t>Asynchronous guaranteed delivery messaging is widely used in server application in order to guarantee data </a:t>
+            </a:r>
+            <a:r>
+              <a:rPr lang="en-US" sz="1800" dirty="0" smtClean="0"/>
+              <a:t>integrity. This is typically done using message queue systems like </a:t>
+            </a:r>
+            <a:r>
+              <a:rPr lang="en-US" sz="1800" dirty="0" err="1" smtClean="0"/>
+              <a:t>ActiveMQ</a:t>
+            </a:r>
+            <a:r>
+              <a:rPr lang="en-US" sz="1800" dirty="0" smtClean="0"/>
+              <a:t>, </a:t>
+            </a:r>
+            <a:r>
+              <a:rPr lang="en-US" sz="1800" dirty="0" err="1" smtClean="0"/>
+              <a:t>RabbitMQ</a:t>
+            </a:r>
+            <a:r>
+              <a:rPr lang="en-US" sz="1800" dirty="0" smtClean="0"/>
+              <a:t>, </a:t>
+            </a:r>
+            <a:r>
+              <a:rPr lang="en-US" sz="1800" dirty="0" err="1" smtClean="0"/>
+              <a:t>weblogic</a:t>
+            </a:r>
+            <a:r>
+              <a:rPr lang="en-US" sz="1800" dirty="0" smtClean="0"/>
+              <a:t> JMS, etc. or through batch processing systems.</a:t>
+            </a:r>
+            <a:endParaRPr lang="en-US" sz="1800" dirty="0"/>
           </a:p>
         </p:txBody>
       </p:sp>
@@ -4448,15 +4790,25 @@
         </p:nvSpPr>
         <p:spPr/>
         <p:txBody>
-          <a:bodyPr/>
+          <a:bodyPr>
+            <a:normAutofit/>
+          </a:bodyPr>
           <a:lstStyle/>
           <a:p>
             <a:pPr marL="0" indent="0">
               <a:buNone/>
             </a:pPr>
             <a:r>
-              <a:rPr lang="en-US" dirty="0" smtClean="0"/>
-              <a:t>The data repair repair will collect data that couldn’t be successfully processed after too many attempts, and take appropriate actions</a:t>
+              <a:rPr lang="en-US" sz="2000" dirty="0" smtClean="0"/>
+              <a:t>The Data Repair Center allows to collect data </a:t>
+            </a:r>
+            <a:r>
+              <a:rPr lang="en-US" sz="2000" dirty="0"/>
+              <a:t>which is invalid or which has been sent to a dead letter queue after too many failed delivery </a:t>
+            </a:r>
+            <a:r>
+              <a:rPr lang="en-US" sz="2000" dirty="0" smtClean="0"/>
+              <a:t>attempts, for manual review by a human being which will be able to take appropriate action</a:t>
             </a:r>
           </a:p>
         </p:txBody>
@@ -4483,7 +4835,7 @@
         </p:blipFill>
         <p:spPr>
           <a:xfrm>
-            <a:off x="1848876" y="2973872"/>
+            <a:off x="1848876" y="3160643"/>
             <a:ext cx="5726380" cy="3221089"/>
           </a:xfrm>
           <a:prstGeom prst="rect">
@@ -4573,7 +4925,15 @@
             </a:pPr>
             <a:r>
               <a:rPr lang="en-US" dirty="0" smtClean="0"/>
-              <a:t>Receive data from Dead Letter Queues or from other systems</a:t>
+              <a:t>Must be able </a:t>
+            </a:r>
+            <a:r>
+              <a:rPr lang="en-US" dirty="0"/>
+              <a:t>r</a:t>
+            </a:r>
+            <a:r>
+              <a:rPr lang="en-US" dirty="0" smtClean="0"/>
+              <a:t>eceive data from Dead Letter Queues or from other systems</a:t>
             </a:r>
           </a:p>
           <a:p>
@@ -4582,12 +4942,8 @@
               <a:buChar char="•"/>
             </a:pPr>
             <a:r>
-              <a:rPr lang="en-US" smtClean="0"/>
-              <a:t>Process </a:t>
-            </a:r>
-            <a:r>
               <a:rPr lang="en-US" dirty="0" smtClean="0"/>
-              <a:t>data to extract information useful for analysis</a:t>
+              <a:t>Must be able process data to extract information useful for analysis</a:t>
             </a:r>
           </a:p>
           <a:p>
@@ -4597,7 +4953,7 @@
             </a:pPr>
             <a:r>
               <a:rPr lang="en-US" dirty="0" smtClean="0"/>
-              <a:t>Provide a user interface for human review and analysis of data</a:t>
+              <a:t>Must provide a web user interface for human review and analysis of data</a:t>
             </a:r>
           </a:p>
           <a:p>
@@ -4607,7 +4963,7 @@
             </a:pPr>
             <a:r>
               <a:rPr lang="en-US" dirty="0" smtClean="0"/>
-              <a:t>Allow data to be edited</a:t>
+              <a:t>Must allow data to be edited</a:t>
             </a:r>
           </a:p>
           <a:p>
@@ -4617,7 +4973,7 @@
             </a:pPr>
             <a:r>
               <a:rPr lang="en-US" dirty="0" smtClean="0"/>
-              <a:t>Allow data to be deleted</a:t>
+              <a:t>Must allow data to be deleted</a:t>
             </a:r>
           </a:p>
           <a:p>
@@ -4627,7 +4983,7 @@
             </a:pPr>
             <a:r>
               <a:rPr lang="en-US" dirty="0" smtClean="0"/>
-              <a:t>Allow data to be resubmitted</a:t>
+              <a:t>Must allow data to be resubmitted</a:t>
             </a:r>
           </a:p>
           <a:p>
@@ -4721,7 +5077,7 @@
             </a:pPr>
             <a:r>
               <a:rPr lang="en-US" dirty="0" smtClean="0"/>
-              <a:t>Must be able to integrate with a wide variety of queue and batch technologies</a:t>
+              <a:t>Easily customized</a:t>
             </a:r>
           </a:p>
           <a:p>
@@ -4731,8 +5087,9 @@
             </a:pPr>
             <a:r>
               <a:rPr lang="en-US" dirty="0" smtClean="0"/>
-              <a:t>Since data is closely tied to the system’s business logic, it must be very easy to customize the DRC and add relevant analysis logic and/or data-specific user interfaces</a:t>
-            </a:r>
+              <a:t>Easy to integrate</a:t>
+            </a:r>
+            <a:endParaRPr lang="en-US" dirty="0"/>
           </a:p>
           <a:p>
             <a:pPr>
@@ -4741,7 +5098,7 @@
             </a:pPr>
             <a:r>
               <a:rPr lang="en-US" dirty="0" smtClean="0"/>
-              <a:t>Must be designed for maintainability</a:t>
+              <a:t>Designed for maintainability</a:t>
             </a:r>
           </a:p>
         </p:txBody>
@@ -4801,7 +5158,7 @@
             <a:pPr algn="ctr"/>
             <a:r>
               <a:rPr lang="en-US" dirty="0" smtClean="0"/>
-              <a:t>Solution overview</a:t>
+              <a:t>Architecture Overview</a:t>
             </a:r>
             <a:endParaRPr lang="en-US" dirty="0"/>
           </a:p>
@@ -4809,7 +5166,7 @@
       </p:sp>
       <p:pic>
         <p:nvPicPr>
-          <p:cNvPr id="3" name="Picture 2" descr="Data Repair Overview Solution High Level - Page 1.png"/>
+          <p:cNvPr id="8" name="Picture 7" descr="Data Repair Overview Solution High Level - Page 1 (3).png"/>
           <p:cNvPicPr>
             <a:picLocks noChangeAspect="1"/>
           </p:cNvPicPr>
@@ -4829,8 +5186,8 @@
         </p:blipFill>
         <p:spPr>
           <a:xfrm>
-            <a:off x="0" y="2902835"/>
-            <a:ext cx="9144000" cy="1702529"/>
+            <a:off x="336159" y="2567954"/>
+            <a:ext cx="8422658" cy="2838887"/>
           </a:xfrm>
           <a:prstGeom prst="rect">
             <a:avLst/>
@@ -4886,13 +5243,19 @@
         </p:nvSpPr>
         <p:spPr/>
         <p:txBody>
-          <a:bodyPr/>
+          <a:bodyPr>
+            <a:normAutofit/>
+          </a:bodyPr>
           <a:lstStyle/>
           <a:p>
             <a:pPr algn="ctr"/>
             <a:r>
+              <a:rPr lang="en-US" dirty="0"/>
+              <a:t>Architecture </a:t>
+            </a:r>
+            <a:r>
               <a:rPr lang="en-US" dirty="0" smtClean="0"/>
-              <a:t>Solution Implementation Overview</a:t>
+              <a:t>Implementation</a:t>
             </a:r>
             <a:endParaRPr lang="en-US" dirty="0"/>
           </a:p>

--- a/data-repair-center-presentation.pptx
+++ b/data-repair-center-presentation.pptx
@@ -20,6 +20,7 @@
     <p:sldId id="270" r:id="rId14"/>
     <p:sldId id="271" r:id="rId15"/>
     <p:sldId id="272" r:id="rId16"/>
+    <p:sldId id="273" r:id="rId17"/>
   </p:sldIdLst>
   <p:sldSz cx="9144000" cy="6858000" type="screen4x3"/>
   <p:notesSz cx="6858000" cy="9144000"/>
@@ -4125,15 +4126,7 @@
             </a:r>
             <a:r>
               <a:rPr lang="en-US" dirty="0" smtClean="0"/>
-              <a:t> 2.0 </a:t>
-            </a:r>
-            <a:r>
-              <a:rPr lang="en-US" smtClean="0"/>
-              <a:t>web UI components </a:t>
-            </a:r>
-            <a:r>
-              <a:rPr lang="en-US" dirty="0" smtClean="0"/>
-              <a:t>will be available through NPM in addition to maven.</a:t>
+              <a:t> 2.0 web UI components will be available through NPM in addition to maven.</a:t>
             </a:r>
             <a:endParaRPr lang="en-US" dirty="0"/>
           </a:p>
@@ -4244,7 +4237,7 @@
         </p:blipFill>
         <p:spPr>
           <a:xfrm>
-            <a:off x="6316432" y="4809403"/>
+            <a:off x="6321590" y="3632746"/>
             <a:ext cx="578942" cy="578942"/>
           </a:xfrm>
           <a:prstGeom prst="rect">
@@ -4304,6 +4297,7 @@
           <a:bodyPr/>
           <a:lstStyle/>
           <a:p>
+            <a:pPr algn="ctr"/>
             <a:r>
               <a:rPr lang="en-US" dirty="0" smtClean="0"/>
               <a:t>Licensing</a:t>
@@ -4341,6 +4335,146 @@
     <p:extLst>
       <p:ext uri="{BB962C8B-B14F-4D97-AF65-F5344CB8AC3E}">
         <p14:creationId xmlns:p14="http://schemas.microsoft.com/office/powerpoint/2010/main" val="686885313"/>
+      </p:ext>
+    </p:extLst>
+  </p:cSld>
+  <p:clrMapOvr>
+    <a:masterClrMapping/>
+  </p:clrMapOvr>
+  <p:timing>
+    <p:tnLst>
+      <p:par>
+        <p:cTn xmlns:p14="http://schemas.microsoft.com/office/powerpoint/2010/main" id="1" dur="indefinite" restart="never" nodeType="tmRoot"/>
+      </p:par>
+    </p:tnLst>
+  </p:timing>
+</p:sld>
+</file>
+
+<file path=ppt/slides/slide16.xml><?xml version="1.0" encoding="utf-8"?>
+<p:sld xmlns:a="http://schemas.openxmlformats.org/drawingml/2006/main" xmlns:r="http://schemas.openxmlformats.org/officeDocument/2006/relationships" xmlns:p="http://schemas.openxmlformats.org/presentationml/2006/main">
+  <p:cSld>
+    <p:spTree>
+      <p:nvGrpSpPr>
+        <p:cNvPr id="1" name=""/>
+        <p:cNvGrpSpPr/>
+        <p:nvPr/>
+      </p:nvGrpSpPr>
+      <p:grpSpPr>
+        <a:xfrm>
+          <a:off x="0" y="0"/>
+          <a:ext cx="0" cy="0"/>
+          <a:chOff x="0" y="0"/>
+          <a:chExt cx="0" cy="0"/>
+        </a:xfrm>
+      </p:grpSpPr>
+      <p:sp>
+        <p:nvSpPr>
+          <p:cNvPr id="2" name="Title 1"/>
+          <p:cNvSpPr>
+            <a:spLocks noGrp="1"/>
+          </p:cNvSpPr>
+          <p:nvPr>
+            <p:ph type="title"/>
+          </p:nvPr>
+        </p:nvSpPr>
+        <p:spPr/>
+        <p:txBody>
+          <a:bodyPr/>
+          <a:lstStyle/>
+          <a:p>
+            <a:pPr algn="ctr"/>
+            <a:r>
+              <a:rPr lang="en-US" dirty="0" smtClean="0"/>
+              <a:t>Thank you !</a:t>
+            </a:r>
+            <a:endParaRPr lang="en-US" dirty="0"/>
+          </a:p>
+        </p:txBody>
+      </p:sp>
+      <p:sp>
+        <p:nvSpPr>
+          <p:cNvPr id="3" name="Content Placeholder 2"/>
+          <p:cNvSpPr>
+            <a:spLocks noGrp="1"/>
+          </p:cNvSpPr>
+          <p:nvPr>
+            <p:ph idx="1"/>
+          </p:nvPr>
+        </p:nvSpPr>
+        <p:spPr>
+          <a:xfrm>
+            <a:off x="1502988" y="3473941"/>
+            <a:ext cx="6443094" cy="585021"/>
+          </a:xfrm>
+        </p:spPr>
+        <p:txBody>
+          <a:bodyPr/>
+          <a:lstStyle/>
+          <a:p>
+            <a:pPr marL="0" indent="0">
+              <a:buNone/>
+            </a:pPr>
+            <a:r>
+              <a:rPr lang="en-US" dirty="0"/>
+              <a:t>https://</a:t>
+            </a:r>
+            <a:r>
+              <a:rPr lang="en-US" dirty="0" err="1"/>
+              <a:t>github.com</a:t>
+            </a:r>
+            <a:r>
+              <a:rPr lang="en-US" dirty="0"/>
+              <a:t>/</a:t>
+            </a:r>
+            <a:r>
+              <a:rPr lang="en-US" dirty="0" err="1"/>
+              <a:t>Kloudtek</a:t>
+            </a:r>
+            <a:r>
+              <a:rPr lang="en-US" dirty="0"/>
+              <a:t>/data-repair-center</a:t>
+            </a:r>
+          </a:p>
+          <a:p>
+            <a:endParaRPr lang="en-US" dirty="0"/>
+          </a:p>
+        </p:txBody>
+      </p:sp>
+      <p:pic>
+        <p:nvPicPr>
+          <p:cNvPr id="4" name="Picture 3" descr="search.png"/>
+          <p:cNvPicPr>
+            <a:picLocks noChangeAspect="1"/>
+          </p:cNvPicPr>
+          <p:nvPr/>
+        </p:nvPicPr>
+        <p:blipFill>
+          <a:blip r:embed="rId2">
+            <a:extLst>
+              <a:ext uri="{28A0092B-C50C-407E-A947-70E740481C1C}">
+                <a14:useLocalDpi xmlns:a14="http://schemas.microsoft.com/office/drawing/2010/main" val="0"/>
+              </a:ext>
+            </a:extLst>
+          </a:blip>
+          <a:stretch>
+            <a:fillRect/>
+          </a:stretch>
+        </p:blipFill>
+        <p:spPr>
+          <a:xfrm>
+            <a:off x="457200" y="3184384"/>
+            <a:ext cx="1045788" cy="1045788"/>
+          </a:xfrm>
+          <a:prstGeom prst="rect">
+            <a:avLst/>
+          </a:prstGeom>
+        </p:spPr>
+      </p:pic>
+    </p:spTree>
+    <p:extLst>
+      <p:ext uri="{BB962C8B-B14F-4D97-AF65-F5344CB8AC3E}">
+        <p14:creationId xmlns:p14="http://schemas.microsoft.com/office/powerpoint/2010/main" val="675809302"/>
       </p:ext>
     </p:extLst>
   </p:cSld>
